--- a/db proj.pptx
+++ b/db proj.pptx
@@ -245,7 +245,7 @@
           <a:p>
             <a:fld id="{01EB6FF0-94F0-4AD9-9D34-E69F76DD7714}" type="datetimeFigureOut">
               <a:rPr lang="ko-KR" altLang="en-US" smtClean="0"/>
-              <a:t>2019-07-11</a:t>
+              <a:t>2019-07-12</a:t>
             </a:fld>
             <a:endParaRPr lang="ko-KR" altLang="en-US"/>
           </a:p>
@@ -415,7 +415,7 @@
           <a:p>
             <a:fld id="{01EB6FF0-94F0-4AD9-9D34-E69F76DD7714}" type="datetimeFigureOut">
               <a:rPr lang="ko-KR" altLang="en-US" smtClean="0"/>
-              <a:t>2019-07-11</a:t>
+              <a:t>2019-07-12</a:t>
             </a:fld>
             <a:endParaRPr lang="ko-KR" altLang="en-US"/>
           </a:p>
@@ -595,7 +595,7 @@
           <a:p>
             <a:fld id="{01EB6FF0-94F0-4AD9-9D34-E69F76DD7714}" type="datetimeFigureOut">
               <a:rPr lang="ko-KR" altLang="en-US" smtClean="0"/>
-              <a:t>2019-07-11</a:t>
+              <a:t>2019-07-12</a:t>
             </a:fld>
             <a:endParaRPr lang="ko-KR" altLang="en-US"/>
           </a:p>
@@ -765,7 +765,7 @@
           <a:p>
             <a:fld id="{01EB6FF0-94F0-4AD9-9D34-E69F76DD7714}" type="datetimeFigureOut">
               <a:rPr lang="ko-KR" altLang="en-US" smtClean="0"/>
-              <a:t>2019-07-11</a:t>
+              <a:t>2019-07-12</a:t>
             </a:fld>
             <a:endParaRPr lang="ko-KR" altLang="en-US"/>
           </a:p>
@@ -1011,7 +1011,7 @@
           <a:p>
             <a:fld id="{01EB6FF0-94F0-4AD9-9D34-E69F76DD7714}" type="datetimeFigureOut">
               <a:rPr lang="ko-KR" altLang="en-US" smtClean="0"/>
-              <a:t>2019-07-11</a:t>
+              <a:t>2019-07-12</a:t>
             </a:fld>
             <a:endParaRPr lang="ko-KR" altLang="en-US"/>
           </a:p>
@@ -1243,7 +1243,7 @@
           <a:p>
             <a:fld id="{01EB6FF0-94F0-4AD9-9D34-E69F76DD7714}" type="datetimeFigureOut">
               <a:rPr lang="ko-KR" altLang="en-US" smtClean="0"/>
-              <a:t>2019-07-11</a:t>
+              <a:t>2019-07-12</a:t>
             </a:fld>
             <a:endParaRPr lang="ko-KR" altLang="en-US"/>
           </a:p>
@@ -1610,7 +1610,7 @@
           <a:p>
             <a:fld id="{01EB6FF0-94F0-4AD9-9D34-E69F76DD7714}" type="datetimeFigureOut">
               <a:rPr lang="ko-KR" altLang="en-US" smtClean="0"/>
-              <a:t>2019-07-11</a:t>
+              <a:t>2019-07-12</a:t>
             </a:fld>
             <a:endParaRPr lang="ko-KR" altLang="en-US"/>
           </a:p>
@@ -1728,7 +1728,7 @@
           <a:p>
             <a:fld id="{01EB6FF0-94F0-4AD9-9D34-E69F76DD7714}" type="datetimeFigureOut">
               <a:rPr lang="ko-KR" altLang="en-US" smtClean="0"/>
-              <a:t>2019-07-11</a:t>
+              <a:t>2019-07-12</a:t>
             </a:fld>
             <a:endParaRPr lang="ko-KR" altLang="en-US"/>
           </a:p>
@@ -1823,7 +1823,7 @@
           <a:p>
             <a:fld id="{01EB6FF0-94F0-4AD9-9D34-E69F76DD7714}" type="datetimeFigureOut">
               <a:rPr lang="ko-KR" altLang="en-US" smtClean="0"/>
-              <a:t>2019-07-11</a:t>
+              <a:t>2019-07-12</a:t>
             </a:fld>
             <a:endParaRPr lang="ko-KR" altLang="en-US"/>
           </a:p>
@@ -2100,7 +2100,7 @@
           <a:p>
             <a:fld id="{01EB6FF0-94F0-4AD9-9D34-E69F76DD7714}" type="datetimeFigureOut">
               <a:rPr lang="ko-KR" altLang="en-US" smtClean="0"/>
-              <a:t>2019-07-11</a:t>
+              <a:t>2019-07-12</a:t>
             </a:fld>
             <a:endParaRPr lang="ko-KR" altLang="en-US"/>
           </a:p>
@@ -2353,7 +2353,7 @@
           <a:p>
             <a:fld id="{01EB6FF0-94F0-4AD9-9D34-E69F76DD7714}" type="datetimeFigureOut">
               <a:rPr lang="ko-KR" altLang="en-US" smtClean="0"/>
-              <a:t>2019-07-11</a:t>
+              <a:t>2019-07-12</a:t>
             </a:fld>
             <a:endParaRPr lang="ko-KR" altLang="en-US"/>
           </a:p>
@@ -2566,7 +2566,7 @@
           <a:p>
             <a:fld id="{01EB6FF0-94F0-4AD9-9D34-E69F76DD7714}" type="datetimeFigureOut">
               <a:rPr lang="ko-KR" altLang="en-US" smtClean="0"/>
-              <a:t>2019-07-11</a:t>
+              <a:t>2019-07-12</a:t>
             </a:fld>
             <a:endParaRPr lang="ko-KR" altLang="en-US"/>
           </a:p>
@@ -5750,56 +5750,56 @@
                 <a:gridCol w="928664">
                   <a:extLst>
                     <a:ext uri="{9D8B030D-6E8A-4147-A177-3AD203B41FA5}">
-                      <a16:colId xmlns:a16="http://schemas.microsoft.com/office/drawing/2014/main" val="20000"/>
+                      <a16:colId xmlns:a16="http://schemas.microsoft.com/office/drawing/2014/main" xmlns="" val="20000"/>
                     </a:ext>
                   </a:extLst>
                 </a:gridCol>
                 <a:gridCol w="571504">
                   <a:extLst>
                     <a:ext uri="{9D8B030D-6E8A-4147-A177-3AD203B41FA5}">
-                      <a16:colId xmlns:a16="http://schemas.microsoft.com/office/drawing/2014/main" val="20001"/>
+                      <a16:colId xmlns:a16="http://schemas.microsoft.com/office/drawing/2014/main" xmlns="" val="20001"/>
                     </a:ext>
                   </a:extLst>
                 </a:gridCol>
                 <a:gridCol w="785818">
                   <a:extLst>
                     <a:ext uri="{9D8B030D-6E8A-4147-A177-3AD203B41FA5}">
-                      <a16:colId xmlns:a16="http://schemas.microsoft.com/office/drawing/2014/main" val="20002"/>
+                      <a16:colId xmlns:a16="http://schemas.microsoft.com/office/drawing/2014/main" xmlns="" val="20002"/>
                     </a:ext>
                   </a:extLst>
                 </a:gridCol>
                 <a:gridCol w="428628">
                   <a:extLst>
                     <a:ext uri="{9D8B030D-6E8A-4147-A177-3AD203B41FA5}">
-                      <a16:colId xmlns:a16="http://schemas.microsoft.com/office/drawing/2014/main" val="20003"/>
+                      <a16:colId xmlns:a16="http://schemas.microsoft.com/office/drawing/2014/main" xmlns="" val="20003"/>
                     </a:ext>
                   </a:extLst>
                 </a:gridCol>
                 <a:gridCol w="428628">
                   <a:extLst>
                     <a:ext uri="{9D8B030D-6E8A-4147-A177-3AD203B41FA5}">
-                      <a16:colId xmlns:a16="http://schemas.microsoft.com/office/drawing/2014/main" val="20004"/>
+                      <a16:colId xmlns:a16="http://schemas.microsoft.com/office/drawing/2014/main" xmlns="" val="20004"/>
                     </a:ext>
                   </a:extLst>
                 </a:gridCol>
                 <a:gridCol w="500066">
                   <a:extLst>
                     <a:ext uri="{9D8B030D-6E8A-4147-A177-3AD203B41FA5}">
-                      <a16:colId xmlns:a16="http://schemas.microsoft.com/office/drawing/2014/main" val="20005"/>
+                      <a16:colId xmlns:a16="http://schemas.microsoft.com/office/drawing/2014/main" xmlns="" val="20005"/>
                     </a:ext>
                   </a:extLst>
                 </a:gridCol>
                 <a:gridCol w="928694">
                   <a:extLst>
                     <a:ext uri="{9D8B030D-6E8A-4147-A177-3AD203B41FA5}">
-                      <a16:colId xmlns:a16="http://schemas.microsoft.com/office/drawing/2014/main" val="20006"/>
+                      <a16:colId xmlns:a16="http://schemas.microsoft.com/office/drawing/2014/main" xmlns="" val="20006"/>
                     </a:ext>
                   </a:extLst>
                 </a:gridCol>
                 <a:gridCol w="571504">
                   <a:extLst>
                     <a:ext uri="{9D8B030D-6E8A-4147-A177-3AD203B41FA5}">
-                      <a16:colId xmlns:a16="http://schemas.microsoft.com/office/drawing/2014/main" val="20007"/>
+                      <a16:colId xmlns:a16="http://schemas.microsoft.com/office/drawing/2014/main" xmlns="" val="20007"/>
                     </a:ext>
                   </a:extLst>
                 </a:gridCol>
@@ -6039,7 +6039,7 @@
                 </a:tc>
                 <a:extLst>
                   <a:ext uri="{0D108BD9-81ED-4DB2-BD59-A6C34878D82A}">
-                    <a16:rowId xmlns:a16="http://schemas.microsoft.com/office/drawing/2014/main" val="10000"/>
+                    <a16:rowId xmlns:a16="http://schemas.microsoft.com/office/drawing/2014/main" xmlns="" val="10000"/>
                   </a:ext>
                 </a:extLst>
               </a:tr>
@@ -6166,7 +6166,7 @@
                 </a:tc>
                 <a:extLst>
                   <a:ext uri="{0D108BD9-81ED-4DB2-BD59-A6C34878D82A}">
-                    <a16:rowId xmlns:a16="http://schemas.microsoft.com/office/drawing/2014/main" val="10001"/>
+                    <a16:rowId xmlns:a16="http://schemas.microsoft.com/office/drawing/2014/main" xmlns="" val="10001"/>
                   </a:ext>
                 </a:extLst>
               </a:tr>
@@ -6248,49 +6248,49 @@
                 <a:gridCol w="823358">
                   <a:extLst>
                     <a:ext uri="{9D8B030D-6E8A-4147-A177-3AD203B41FA5}">
-                      <a16:colId xmlns:a16="http://schemas.microsoft.com/office/drawing/2014/main" val="20000"/>
+                      <a16:colId xmlns:a16="http://schemas.microsoft.com/office/drawing/2014/main" xmlns="" val="20000"/>
                     </a:ext>
                   </a:extLst>
                 </a:gridCol>
                 <a:gridCol w="962727">
                   <a:extLst>
                     <a:ext uri="{9D8B030D-6E8A-4147-A177-3AD203B41FA5}">
-                      <a16:colId xmlns:a16="http://schemas.microsoft.com/office/drawing/2014/main" val="20001"/>
+                      <a16:colId xmlns:a16="http://schemas.microsoft.com/office/drawing/2014/main" xmlns="" val="20001"/>
                     </a:ext>
                   </a:extLst>
                 </a:gridCol>
                 <a:gridCol w="962727">
                   <a:extLst>
                     <a:ext uri="{9D8B030D-6E8A-4147-A177-3AD203B41FA5}">
-                      <a16:colId xmlns:a16="http://schemas.microsoft.com/office/drawing/2014/main" val="20002"/>
+                      <a16:colId xmlns:a16="http://schemas.microsoft.com/office/drawing/2014/main" xmlns="" val="20002"/>
                     </a:ext>
                   </a:extLst>
                 </a:gridCol>
                 <a:gridCol w="962727">
                   <a:extLst>
                     <a:ext uri="{9D8B030D-6E8A-4147-A177-3AD203B41FA5}">
-                      <a16:colId xmlns:a16="http://schemas.microsoft.com/office/drawing/2014/main" val="20003"/>
+                      <a16:colId xmlns:a16="http://schemas.microsoft.com/office/drawing/2014/main" xmlns="" val="20003"/>
                     </a:ext>
                   </a:extLst>
                 </a:gridCol>
                 <a:gridCol w="607603">
                   <a:extLst>
                     <a:ext uri="{9D8B030D-6E8A-4147-A177-3AD203B41FA5}">
-                      <a16:colId xmlns:a16="http://schemas.microsoft.com/office/drawing/2014/main" val="20004"/>
+                      <a16:colId xmlns:a16="http://schemas.microsoft.com/office/drawing/2014/main" xmlns="" val="20004"/>
                     </a:ext>
                   </a:extLst>
                 </a:gridCol>
                 <a:gridCol w="951420">
                   <a:extLst>
                     <a:ext uri="{9D8B030D-6E8A-4147-A177-3AD203B41FA5}">
-                      <a16:colId xmlns:a16="http://schemas.microsoft.com/office/drawing/2014/main" val="20005"/>
+                      <a16:colId xmlns:a16="http://schemas.microsoft.com/office/drawing/2014/main" xmlns="" val="20005"/>
                     </a:ext>
                   </a:extLst>
                 </a:gridCol>
                 <a:gridCol w="951420">
                   <a:extLst>
                     <a:ext uri="{9D8B030D-6E8A-4147-A177-3AD203B41FA5}">
-                      <a16:colId xmlns:a16="http://schemas.microsoft.com/office/drawing/2014/main" val="20006"/>
+                      <a16:colId xmlns:a16="http://schemas.microsoft.com/office/drawing/2014/main" xmlns="" val="20006"/>
                     </a:ext>
                   </a:extLst>
                 </a:gridCol>
@@ -6509,7 +6509,7 @@
                 </a:tc>
                 <a:extLst>
                   <a:ext uri="{0D108BD9-81ED-4DB2-BD59-A6C34878D82A}">
-                    <a16:rowId xmlns:a16="http://schemas.microsoft.com/office/drawing/2014/main" val="10000"/>
+                    <a16:rowId xmlns:a16="http://schemas.microsoft.com/office/drawing/2014/main" xmlns="" val="10000"/>
                   </a:ext>
                 </a:extLst>
               </a:tr>
@@ -6621,7 +6621,7 @@
                 </a:tc>
                 <a:extLst>
                   <a:ext uri="{0D108BD9-81ED-4DB2-BD59-A6C34878D82A}">
-                    <a16:rowId xmlns:a16="http://schemas.microsoft.com/office/drawing/2014/main" val="10001"/>
+                    <a16:rowId xmlns:a16="http://schemas.microsoft.com/office/drawing/2014/main" xmlns="" val="10001"/>
                   </a:ext>
                 </a:extLst>
               </a:tr>
@@ -6936,17 +6936,52 @@
               <a:t>(</a:t>
             </a:r>
             <a:r>
-              <a:rPr lang="ko-KR" altLang="en-US" dirty="0" err="1" smtClean="0"/>
-              <a:t>분량제한</a:t>
-            </a:r>
-            <a:r>
               <a:rPr lang="ko-KR" altLang="en-US" dirty="0" smtClean="0"/>
-              <a:t> 없음</a:t>
+              <a:t>분량제한 없음</a:t>
             </a:r>
             <a:r>
               <a:rPr lang="en-US" altLang="ko-KR" dirty="0" smtClean="0"/>
               <a:t>).</a:t>
             </a:r>
+          </a:p>
+          <a:p>
+            <a:r>
+              <a:rPr lang="ko-KR" altLang="en-US" dirty="0" smtClean="0"/>
+              <a:t>파일명 </a:t>
+            </a:r>
+            <a:r>
+              <a:rPr lang="en-US" altLang="ko-KR" dirty="0" smtClean="0"/>
+              <a:t>: </a:t>
+            </a:r>
+            <a:r>
+              <a:rPr lang="ko-KR" altLang="en-US" dirty="0" smtClean="0"/>
+              <a:t>학번</a:t>
+            </a:r>
+            <a:r>
+              <a:rPr lang="en-US" altLang="ko-KR" dirty="0" smtClean="0"/>
+              <a:t>.</a:t>
+            </a:r>
+            <a:r>
+              <a:rPr lang="en-US" altLang="ko-KR" dirty="0" err="1" smtClean="0"/>
+              <a:t>hwp</a:t>
+            </a:r>
+            <a:r>
+              <a:rPr lang="en-US" altLang="ko-KR" dirty="0" smtClean="0"/>
+              <a:t>, </a:t>
+            </a:r>
+            <a:r>
+              <a:rPr lang="ko-KR" altLang="en-US" dirty="0" smtClean="0"/>
+              <a:t>학번</a:t>
+            </a:r>
+            <a:r>
+              <a:rPr lang="en-US" altLang="ko-KR" dirty="0" smtClean="0"/>
+              <a:t>.</a:t>
+            </a:r>
+            <a:r>
+              <a:rPr lang="en-US" altLang="ko-KR" dirty="0" err="1" smtClean="0"/>
+              <a:t>ppt</a:t>
+            </a:r>
+            <a:endParaRPr lang="en-US" altLang="ko-KR" dirty="0" smtClean="0"/>
           </a:p>
           <a:p>
             <a:r>
@@ -7086,7 +7121,7 @@
     </a:clrScheme>
     <a:fontScheme name="Office">
       <a:majorFont>
-        <a:latin typeface="맑은 고딕" panose="020F0302020204030204"/>
+        <a:latin typeface="맑은 고딕"/>
         <a:ea typeface=""/>
         <a:cs typeface=""/>
         <a:font script="Jpan" typeface="游ゴシック Light"/>
@@ -7121,7 +7156,7 @@
         <a:font script="Geor" typeface="Sylfaen"/>
       </a:majorFont>
       <a:minorFont>
-        <a:latin typeface="맑은 고딕" panose="020F0502020204030204"/>
+        <a:latin typeface="맑은 고딕"/>
         <a:ea typeface=""/>
         <a:cs typeface=""/>
         <a:font script="Jpan" typeface="游ゴシック"/>
@@ -7298,7 +7333,7 @@
   <a:extraClrSchemeLst/>
   <a:extLst>
     <a:ext uri="{05A4C25C-085E-4340-85A3-A5531E510DB2}">
-      <thm15:themeFamily xmlns:thm15="http://schemas.microsoft.com/office/thememl/2012/main" name="Office Theme" id="{62F939B6-93AF-4DB8-9C6B-D6C7DFDC589F}" vid="{4A3C46E8-61CC-4603-A589-7422A47A8E4A}"/>
+      <thm15:themeFamily xmlns:thm15="http://schemas.microsoft.com/office/thememl/2012/main" xmlns="" name="Office Theme" id="{62F939B6-93AF-4DB8-9C6B-D6C7DFDC589F}" vid="{4A3C46E8-61CC-4603-A589-7422A47A8E4A}"/>
     </a:ext>
   </a:extLst>
 </a:theme>
